--- a/04_Manuel/images/images.pptx
+++ b/04_Manuel/images/images.pptx
@@ -9,6 +9,7 @@
     <p:sldId id="257" r:id="rId3"/>
     <p:sldId id="258" r:id="rId4"/>
     <p:sldId id="259" r:id="rId5"/>
+    <p:sldId id="260" r:id="rId6"/>
   </p:sldIdLst>
   <p:sldSz cx="12192000" cy="6858000"/>
   <p:notesSz cx="6858000" cy="9144000"/>
@@ -107,6 +108,11 @@
       </a:defRPr>
     </a:lvl9pPr>
   </p:defaultTextStyle>
+  <p:extLst>
+    <p:ext uri="{EFAFB233-063F-42B5-8137-9DF3F51BA10A}">
+      <p15:sldGuideLst xmlns:p15="http://schemas.microsoft.com/office/powerpoint/2012/main"/>
+    </p:ext>
+  </p:extLst>
 </p:presentation>
 </file>
 
@@ -259,7 +265,7 @@
           <a:p>
             <a:fld id="{AB408B84-4BC5-6C4D-94A1-64D06C63D5E3}" type="datetimeFigureOut">
               <a:rPr lang="en-CH" smtClean="0"/>
-              <a:t>17.05.20</a:t>
+              <a:t>03.06.20</a:t>
             </a:fld>
             <a:endParaRPr lang="en-CH"/>
           </a:p>
@@ -459,7 +465,7 @@
           <a:p>
             <a:fld id="{AB408B84-4BC5-6C4D-94A1-64D06C63D5E3}" type="datetimeFigureOut">
               <a:rPr lang="en-CH" smtClean="0"/>
-              <a:t>17.05.20</a:t>
+              <a:t>03.06.20</a:t>
             </a:fld>
             <a:endParaRPr lang="en-CH"/>
           </a:p>
@@ -669,7 +675,7 @@
           <a:p>
             <a:fld id="{AB408B84-4BC5-6C4D-94A1-64D06C63D5E3}" type="datetimeFigureOut">
               <a:rPr lang="en-CH" smtClean="0"/>
-              <a:t>17.05.20</a:t>
+              <a:t>03.06.20</a:t>
             </a:fld>
             <a:endParaRPr lang="en-CH"/>
           </a:p>
@@ -869,7 +875,7 @@
           <a:p>
             <a:fld id="{AB408B84-4BC5-6C4D-94A1-64D06C63D5E3}" type="datetimeFigureOut">
               <a:rPr lang="en-CH" smtClean="0"/>
-              <a:t>17.05.20</a:t>
+              <a:t>03.06.20</a:t>
             </a:fld>
             <a:endParaRPr lang="en-CH"/>
           </a:p>
@@ -1145,7 +1151,7 @@
           <a:p>
             <a:fld id="{AB408B84-4BC5-6C4D-94A1-64D06C63D5E3}" type="datetimeFigureOut">
               <a:rPr lang="en-CH" smtClean="0"/>
-              <a:t>17.05.20</a:t>
+              <a:t>03.06.20</a:t>
             </a:fld>
             <a:endParaRPr lang="en-CH"/>
           </a:p>
@@ -1413,7 +1419,7 @@
           <a:p>
             <a:fld id="{AB408B84-4BC5-6C4D-94A1-64D06C63D5E3}" type="datetimeFigureOut">
               <a:rPr lang="en-CH" smtClean="0"/>
-              <a:t>17.05.20</a:t>
+              <a:t>03.06.20</a:t>
             </a:fld>
             <a:endParaRPr lang="en-CH"/>
           </a:p>
@@ -1828,7 +1834,7 @@
           <a:p>
             <a:fld id="{AB408B84-4BC5-6C4D-94A1-64D06C63D5E3}" type="datetimeFigureOut">
               <a:rPr lang="en-CH" smtClean="0"/>
-              <a:t>17.05.20</a:t>
+              <a:t>03.06.20</a:t>
             </a:fld>
             <a:endParaRPr lang="en-CH"/>
           </a:p>
@@ -1970,7 +1976,7 @@
           <a:p>
             <a:fld id="{AB408B84-4BC5-6C4D-94A1-64D06C63D5E3}" type="datetimeFigureOut">
               <a:rPr lang="en-CH" smtClean="0"/>
-              <a:t>17.05.20</a:t>
+              <a:t>03.06.20</a:t>
             </a:fld>
             <a:endParaRPr lang="en-CH"/>
           </a:p>
@@ -2083,7 +2089,7 @@
           <a:p>
             <a:fld id="{AB408B84-4BC5-6C4D-94A1-64D06C63D5E3}" type="datetimeFigureOut">
               <a:rPr lang="en-CH" smtClean="0"/>
-              <a:t>17.05.20</a:t>
+              <a:t>03.06.20</a:t>
             </a:fld>
             <a:endParaRPr lang="en-CH"/>
           </a:p>
@@ -2396,7 +2402,7 @@
           <a:p>
             <a:fld id="{AB408B84-4BC5-6C4D-94A1-64D06C63D5E3}" type="datetimeFigureOut">
               <a:rPr lang="en-CH" smtClean="0"/>
-              <a:t>17.05.20</a:t>
+              <a:t>03.06.20</a:t>
             </a:fld>
             <a:endParaRPr lang="en-CH"/>
           </a:p>
@@ -2685,7 +2691,7 @@
           <a:p>
             <a:fld id="{AB408B84-4BC5-6C4D-94A1-64D06C63D5E3}" type="datetimeFigureOut">
               <a:rPr lang="en-CH" smtClean="0"/>
-              <a:t>17.05.20</a:t>
+              <a:t>03.06.20</a:t>
             </a:fld>
             <a:endParaRPr lang="en-CH"/>
           </a:p>
@@ -2928,7 +2934,7 @@
           <a:p>
             <a:fld id="{AB408B84-4BC5-6C4D-94A1-64D06C63D5E3}" type="datetimeFigureOut">
               <a:rPr lang="en-CH" smtClean="0"/>
-              <a:t>17.05.20</a:t>
+              <a:t>03.06.20</a:t>
             </a:fld>
             <a:endParaRPr lang="en-CH"/>
           </a:p>
@@ -30585,6 +30591,95 @@
 </p:sld>
 </file>
 
+<file path=ppt/slides/slide5.xml><?xml version="1.0" encoding="utf-8"?>
+<p:sld xmlns:a="http://schemas.openxmlformats.org/drawingml/2006/main" xmlns:r="http://schemas.openxmlformats.org/officeDocument/2006/relationships" xmlns:p="http://schemas.openxmlformats.org/presentationml/2006/main">
+  <p:cSld>
+    <p:spTree>
+      <p:nvGrpSpPr>
+        <p:cNvPr id="1" name=""/>
+        <p:cNvGrpSpPr/>
+        <p:nvPr/>
+      </p:nvGrpSpPr>
+      <p:grpSpPr>
+        <a:xfrm>
+          <a:off x="0" y="0"/>
+          <a:ext cx="0" cy="0"/>
+          <a:chOff x="0" y="0"/>
+          <a:chExt cx="0" cy="0"/>
+        </a:xfrm>
+      </p:grpSpPr>
+      <p:pic>
+        <p:nvPicPr>
+          <p:cNvPr id="5" name="Picture 4">
+            <a:extLst>
+              <a:ext uri="{FF2B5EF4-FFF2-40B4-BE49-F238E27FC236}">
+                <a16:creationId xmlns:a16="http://schemas.microsoft.com/office/drawing/2014/main" id="{D8B2744C-0DC2-6046-9FEB-9C5972368A2C}"/>
+              </a:ext>
+            </a:extLst>
+          </p:cNvPr>
+          <p:cNvPicPr>
+            <a:picLocks noChangeAspect="1"/>
+          </p:cNvPicPr>
+          <p:nvPr/>
+        </p:nvPicPr>
+        <p:blipFill rotWithShape="1">
+          <a:blip r:embed="rId2"/>
+          <a:srcRect t="2411" b="2224"/>
+          <a:stretch/>
+        </p:blipFill>
+        <p:spPr>
+          <a:xfrm>
+            <a:off x="182544" y="0"/>
+            <a:ext cx="3595635" cy="6858000"/>
+          </a:xfrm>
+          <a:prstGeom prst="rect">
+            <a:avLst/>
+          </a:prstGeom>
+        </p:spPr>
+      </p:pic>
+      <p:pic>
+        <p:nvPicPr>
+          <p:cNvPr id="7" name="Picture 6">
+            <a:extLst>
+              <a:ext uri="{FF2B5EF4-FFF2-40B4-BE49-F238E27FC236}">
+                <a16:creationId xmlns:a16="http://schemas.microsoft.com/office/drawing/2014/main" id="{252392E7-324A-7B44-A250-92BBE22C4317}"/>
+              </a:ext>
+            </a:extLst>
+          </p:cNvPr>
+          <p:cNvPicPr>
+            <a:picLocks noChangeAspect="1"/>
+          </p:cNvPicPr>
+          <p:nvPr/>
+        </p:nvPicPr>
+        <p:blipFill>
+          <a:blip r:embed="rId3"/>
+          <a:stretch>
+            <a:fillRect/>
+          </a:stretch>
+        </p:blipFill>
+        <p:spPr>
+          <a:xfrm>
+            <a:off x="4160016" y="95458"/>
+            <a:ext cx="6762542" cy="6762542"/>
+          </a:xfrm>
+          <a:prstGeom prst="rect">
+            <a:avLst/>
+          </a:prstGeom>
+        </p:spPr>
+      </p:pic>
+    </p:spTree>
+    <p:extLst>
+      <p:ext uri="{BB962C8B-B14F-4D97-AF65-F5344CB8AC3E}">
+        <p14:creationId xmlns:p14="http://schemas.microsoft.com/office/powerpoint/2010/main" val="997487044"/>
+      </p:ext>
+    </p:extLst>
+  </p:cSld>
+  <p:clrMapOvr>
+    <a:masterClrMapping/>
+  </p:clrMapOvr>
+</p:sld>
+</file>
+
 <file path=ppt/theme/theme1.xml><?xml version="1.0" encoding="utf-8"?>
 <a:theme xmlns:a="http://schemas.openxmlformats.org/drawingml/2006/main" name="Office Theme">
   <a:themeElements>

--- a/04_Manuel/images/images.pptx
+++ b/04_Manuel/images/images.pptx
@@ -10,6 +10,8 @@
     <p:sldId id="258" r:id="rId4"/>
     <p:sldId id="259" r:id="rId5"/>
     <p:sldId id="260" r:id="rId6"/>
+    <p:sldId id="261" r:id="rId7"/>
+    <p:sldId id="262" r:id="rId8"/>
   </p:sldIdLst>
   <p:sldSz cx="12192000" cy="6858000"/>
   <p:notesSz cx="6858000" cy="9144000"/>
@@ -265,7 +267,7 @@
           <a:p>
             <a:fld id="{AB408B84-4BC5-6C4D-94A1-64D06C63D5E3}" type="datetimeFigureOut">
               <a:rPr lang="en-CH" smtClean="0"/>
-              <a:t>03.06.20</a:t>
+              <a:t>08.06.20</a:t>
             </a:fld>
             <a:endParaRPr lang="en-CH"/>
           </a:p>
@@ -465,7 +467,7 @@
           <a:p>
             <a:fld id="{AB408B84-4BC5-6C4D-94A1-64D06C63D5E3}" type="datetimeFigureOut">
               <a:rPr lang="en-CH" smtClean="0"/>
-              <a:t>03.06.20</a:t>
+              <a:t>08.06.20</a:t>
             </a:fld>
             <a:endParaRPr lang="en-CH"/>
           </a:p>
@@ -675,7 +677,7 @@
           <a:p>
             <a:fld id="{AB408B84-4BC5-6C4D-94A1-64D06C63D5E3}" type="datetimeFigureOut">
               <a:rPr lang="en-CH" smtClean="0"/>
-              <a:t>03.06.20</a:t>
+              <a:t>08.06.20</a:t>
             </a:fld>
             <a:endParaRPr lang="en-CH"/>
           </a:p>
@@ -875,7 +877,7 @@
           <a:p>
             <a:fld id="{AB408B84-4BC5-6C4D-94A1-64D06C63D5E3}" type="datetimeFigureOut">
               <a:rPr lang="en-CH" smtClean="0"/>
-              <a:t>03.06.20</a:t>
+              <a:t>08.06.20</a:t>
             </a:fld>
             <a:endParaRPr lang="en-CH"/>
           </a:p>
@@ -1151,7 +1153,7 @@
           <a:p>
             <a:fld id="{AB408B84-4BC5-6C4D-94A1-64D06C63D5E3}" type="datetimeFigureOut">
               <a:rPr lang="en-CH" smtClean="0"/>
-              <a:t>03.06.20</a:t>
+              <a:t>08.06.20</a:t>
             </a:fld>
             <a:endParaRPr lang="en-CH"/>
           </a:p>
@@ -1419,7 +1421,7 @@
           <a:p>
             <a:fld id="{AB408B84-4BC5-6C4D-94A1-64D06C63D5E3}" type="datetimeFigureOut">
               <a:rPr lang="en-CH" smtClean="0"/>
-              <a:t>03.06.20</a:t>
+              <a:t>08.06.20</a:t>
             </a:fld>
             <a:endParaRPr lang="en-CH"/>
           </a:p>
@@ -1834,7 +1836,7 @@
           <a:p>
             <a:fld id="{AB408B84-4BC5-6C4D-94A1-64D06C63D5E3}" type="datetimeFigureOut">
               <a:rPr lang="en-CH" smtClean="0"/>
-              <a:t>03.06.20</a:t>
+              <a:t>08.06.20</a:t>
             </a:fld>
             <a:endParaRPr lang="en-CH"/>
           </a:p>
@@ -1976,7 +1978,7 @@
           <a:p>
             <a:fld id="{AB408B84-4BC5-6C4D-94A1-64D06C63D5E3}" type="datetimeFigureOut">
               <a:rPr lang="en-CH" smtClean="0"/>
-              <a:t>03.06.20</a:t>
+              <a:t>08.06.20</a:t>
             </a:fld>
             <a:endParaRPr lang="en-CH"/>
           </a:p>
@@ -2089,7 +2091,7 @@
           <a:p>
             <a:fld id="{AB408B84-4BC5-6C4D-94A1-64D06C63D5E3}" type="datetimeFigureOut">
               <a:rPr lang="en-CH" smtClean="0"/>
-              <a:t>03.06.20</a:t>
+              <a:t>08.06.20</a:t>
             </a:fld>
             <a:endParaRPr lang="en-CH"/>
           </a:p>
@@ -2402,7 +2404,7 @@
           <a:p>
             <a:fld id="{AB408B84-4BC5-6C4D-94A1-64D06C63D5E3}" type="datetimeFigureOut">
               <a:rPr lang="en-CH" smtClean="0"/>
-              <a:t>03.06.20</a:t>
+              <a:t>08.06.20</a:t>
             </a:fld>
             <a:endParaRPr lang="en-CH"/>
           </a:p>
@@ -2691,7 +2693,7 @@
           <a:p>
             <a:fld id="{AB408B84-4BC5-6C4D-94A1-64D06C63D5E3}" type="datetimeFigureOut">
               <a:rPr lang="en-CH" smtClean="0"/>
-              <a:t>03.06.20</a:t>
+              <a:t>08.06.20</a:t>
             </a:fld>
             <a:endParaRPr lang="en-CH"/>
           </a:p>
@@ -2934,7 +2936,7 @@
           <a:p>
             <a:fld id="{AB408B84-4BC5-6C4D-94A1-64D06C63D5E3}" type="datetimeFigureOut">
               <a:rPr lang="en-CH" smtClean="0"/>
-              <a:t>03.06.20</a:t>
+              <a:t>08.06.20</a:t>
             </a:fld>
             <a:endParaRPr lang="en-CH"/>
           </a:p>
@@ -30680,6 +30682,629 @@
 </p:sld>
 </file>
 
+<file path=ppt/slides/slide6.xml><?xml version="1.0" encoding="utf-8"?>
+<p:sld xmlns:a="http://schemas.openxmlformats.org/drawingml/2006/main" xmlns:r="http://schemas.openxmlformats.org/officeDocument/2006/relationships" xmlns:p="http://schemas.openxmlformats.org/presentationml/2006/main">
+  <p:cSld>
+    <p:spTree>
+      <p:nvGrpSpPr>
+        <p:cNvPr id="1" name=""/>
+        <p:cNvGrpSpPr/>
+        <p:nvPr/>
+      </p:nvGrpSpPr>
+      <p:grpSpPr>
+        <a:xfrm>
+          <a:off x="0" y="0"/>
+          <a:ext cx="0" cy="0"/>
+          <a:chOff x="0" y="0"/>
+          <a:chExt cx="0" cy="0"/>
+        </a:xfrm>
+      </p:grpSpPr>
+      <p:pic>
+        <p:nvPicPr>
+          <p:cNvPr id="5" name="Content Placeholder 4">
+            <a:extLst>
+              <a:ext uri="{FF2B5EF4-FFF2-40B4-BE49-F238E27FC236}">
+                <a16:creationId xmlns:a16="http://schemas.microsoft.com/office/drawing/2014/main" id="{FCEF8F6B-1B6F-C340-BBDF-3A1C9EF449BA}"/>
+              </a:ext>
+            </a:extLst>
+          </p:cNvPr>
+          <p:cNvPicPr>
+            <a:picLocks noGrp="1" noChangeAspect="1"/>
+          </p:cNvPicPr>
+          <p:nvPr>
+            <p:ph idx="1"/>
+          </p:nvPr>
+        </p:nvPicPr>
+        <p:blipFill>
+          <a:blip r:embed="rId2"/>
+          <a:stretch>
+            <a:fillRect/>
+          </a:stretch>
+        </p:blipFill>
+        <p:spPr>
+          <a:xfrm>
+            <a:off x="1219200" y="2477294"/>
+            <a:ext cx="9753600" cy="3048000"/>
+          </a:xfrm>
+        </p:spPr>
+      </p:pic>
+      <p:pic>
+        <p:nvPicPr>
+          <p:cNvPr id="7" name="Picture 6">
+            <a:extLst>
+              <a:ext uri="{FF2B5EF4-FFF2-40B4-BE49-F238E27FC236}">
+                <a16:creationId xmlns:a16="http://schemas.microsoft.com/office/drawing/2014/main" id="{9BBC168A-A4F6-F14D-8DD7-881486CB96C9}"/>
+              </a:ext>
+            </a:extLst>
+          </p:cNvPr>
+          <p:cNvPicPr>
+            <a:picLocks noChangeAspect="1"/>
+          </p:cNvPicPr>
+          <p:nvPr/>
+        </p:nvPicPr>
+        <p:blipFill rotWithShape="1">
+          <a:blip r:embed="rId3"/>
+          <a:srcRect l="30412" r="65550"/>
+          <a:stretch/>
+        </p:blipFill>
+        <p:spPr>
+          <a:xfrm>
+            <a:off x="10726615" y="2477294"/>
+            <a:ext cx="492369" cy="3048000"/>
+          </a:xfrm>
+          <a:prstGeom prst="rect">
+            <a:avLst/>
+          </a:prstGeom>
+        </p:spPr>
+      </p:pic>
+      <p:sp>
+        <p:nvSpPr>
+          <p:cNvPr id="8" name="Right Arrow 7">
+            <a:extLst>
+              <a:ext uri="{FF2B5EF4-FFF2-40B4-BE49-F238E27FC236}">
+                <a16:creationId xmlns:a16="http://schemas.microsoft.com/office/drawing/2014/main" id="{BA918020-961F-EB43-AFC3-5609B53D4DA6}"/>
+              </a:ext>
+            </a:extLst>
+          </p:cNvPr>
+          <p:cNvSpPr/>
+          <p:nvPr/>
+        </p:nvSpPr>
+        <p:spPr>
+          <a:xfrm>
+            <a:off x="7403020" y="3607358"/>
+            <a:ext cx="381837" cy="743578"/>
+          </a:xfrm>
+          <a:prstGeom prst="rightArrow">
+            <a:avLst/>
+          </a:prstGeom>
+          <a:noFill/>
+          <a:ln w="22225">
+            <a:solidFill>
+              <a:schemeClr val="tx1"/>
+            </a:solidFill>
+          </a:ln>
+        </p:spPr>
+        <p:style>
+          <a:lnRef idx="2">
+            <a:schemeClr val="accent1">
+              <a:shade val="50000"/>
+            </a:schemeClr>
+          </a:lnRef>
+          <a:fillRef idx="1">
+            <a:schemeClr val="accent1"/>
+          </a:fillRef>
+          <a:effectRef idx="0">
+            <a:schemeClr val="accent1"/>
+          </a:effectRef>
+          <a:fontRef idx="minor">
+            <a:schemeClr val="lt1"/>
+          </a:fontRef>
+        </p:style>
+        <p:txBody>
+          <a:bodyPr rtlCol="0" anchor="ctr"/>
+          <a:lstStyle/>
+          <a:p>
+            <a:pPr algn="ctr"/>
+            <a:endParaRPr lang="en-CH"/>
+          </a:p>
+        </p:txBody>
+      </p:sp>
+      <p:sp>
+        <p:nvSpPr>
+          <p:cNvPr id="9" name="Right Arrow 8">
+            <a:extLst>
+              <a:ext uri="{FF2B5EF4-FFF2-40B4-BE49-F238E27FC236}">
+                <a16:creationId xmlns:a16="http://schemas.microsoft.com/office/drawing/2014/main" id="{96E39FF5-CEDA-E64B-8F99-7B9A73C53798}"/>
+              </a:ext>
+            </a:extLst>
+          </p:cNvPr>
+          <p:cNvSpPr/>
+          <p:nvPr/>
+        </p:nvSpPr>
+        <p:spPr>
+          <a:xfrm rot="10800000">
+            <a:off x="4148348" y="3609446"/>
+            <a:ext cx="381837" cy="743578"/>
+          </a:xfrm>
+          <a:prstGeom prst="rightArrow">
+            <a:avLst/>
+          </a:prstGeom>
+          <a:noFill/>
+          <a:ln w="22225">
+            <a:solidFill>
+              <a:schemeClr val="tx1"/>
+            </a:solidFill>
+          </a:ln>
+        </p:spPr>
+        <p:style>
+          <a:lnRef idx="2">
+            <a:schemeClr val="accent1">
+              <a:shade val="50000"/>
+            </a:schemeClr>
+          </a:lnRef>
+          <a:fillRef idx="1">
+            <a:schemeClr val="accent1"/>
+          </a:fillRef>
+          <a:effectRef idx="0">
+            <a:schemeClr val="accent1"/>
+          </a:effectRef>
+          <a:fontRef idx="minor">
+            <a:schemeClr val="lt1"/>
+          </a:fontRef>
+        </p:style>
+        <p:txBody>
+          <a:bodyPr rtlCol="0" anchor="ctr"/>
+          <a:lstStyle/>
+          <a:p>
+            <a:pPr algn="ctr"/>
+            <a:endParaRPr lang="en-CH"/>
+          </a:p>
+        </p:txBody>
+      </p:sp>
+    </p:spTree>
+    <p:extLst>
+      <p:ext uri="{BB962C8B-B14F-4D97-AF65-F5344CB8AC3E}">
+        <p14:creationId xmlns:p14="http://schemas.microsoft.com/office/powerpoint/2010/main" val="3424355922"/>
+      </p:ext>
+    </p:extLst>
+  </p:cSld>
+  <p:clrMapOvr>
+    <a:masterClrMapping/>
+  </p:clrMapOvr>
+</p:sld>
+</file>
+
+<file path=ppt/slides/slide7.xml><?xml version="1.0" encoding="utf-8"?>
+<p:sld xmlns:a="http://schemas.openxmlformats.org/drawingml/2006/main" xmlns:r="http://schemas.openxmlformats.org/officeDocument/2006/relationships" xmlns:p="http://schemas.openxmlformats.org/presentationml/2006/main">
+  <p:cSld>
+    <p:spTree>
+      <p:nvGrpSpPr>
+        <p:cNvPr id="1" name=""/>
+        <p:cNvGrpSpPr/>
+        <p:nvPr/>
+      </p:nvGrpSpPr>
+      <p:grpSpPr>
+        <a:xfrm>
+          <a:off x="0" y="0"/>
+          <a:ext cx="0" cy="0"/>
+          <a:chOff x="0" y="0"/>
+          <a:chExt cx="0" cy="0"/>
+        </a:xfrm>
+      </p:grpSpPr>
+      <p:pic>
+        <p:nvPicPr>
+          <p:cNvPr id="16" name="Picture 15">
+            <a:extLst>
+              <a:ext uri="{FF2B5EF4-FFF2-40B4-BE49-F238E27FC236}">
+                <a16:creationId xmlns:a16="http://schemas.microsoft.com/office/drawing/2014/main" id="{4528F89D-9A1E-214E-922B-004845B9289C}"/>
+              </a:ext>
+            </a:extLst>
+          </p:cNvPr>
+          <p:cNvPicPr>
+            <a:picLocks noChangeAspect="1"/>
+          </p:cNvPicPr>
+          <p:nvPr/>
+        </p:nvPicPr>
+        <p:blipFill>
+          <a:blip r:embed="rId2"/>
+          <a:stretch>
+            <a:fillRect/>
+          </a:stretch>
+        </p:blipFill>
+        <p:spPr>
+          <a:xfrm>
+            <a:off x="6369978" y="514215"/>
+            <a:ext cx="6027502" cy="6027502"/>
+          </a:xfrm>
+          <a:prstGeom prst="rect">
+            <a:avLst/>
+          </a:prstGeom>
+        </p:spPr>
+      </p:pic>
+      <p:grpSp>
+        <p:nvGrpSpPr>
+          <p:cNvPr id="22" name="Group 21">
+            <a:extLst>
+              <a:ext uri="{FF2B5EF4-FFF2-40B4-BE49-F238E27FC236}">
+                <a16:creationId xmlns:a16="http://schemas.microsoft.com/office/drawing/2014/main" id="{C7E79FBA-FE0E-7D41-AEB2-32291636FD86}"/>
+              </a:ext>
+            </a:extLst>
+          </p:cNvPr>
+          <p:cNvGrpSpPr/>
+          <p:nvPr/>
+        </p:nvGrpSpPr>
+        <p:grpSpPr>
+          <a:xfrm>
+            <a:off x="2589159" y="53406"/>
+            <a:ext cx="3462319" cy="6580778"/>
+            <a:chOff x="3308350" y="211592"/>
+            <a:chExt cx="3330444" cy="6330125"/>
+          </a:xfrm>
+        </p:grpSpPr>
+        <p:pic>
+          <p:nvPicPr>
+            <p:cNvPr id="18" name="Picture 17">
+              <a:extLst>
+                <a:ext uri="{FF2B5EF4-FFF2-40B4-BE49-F238E27FC236}">
+                  <a16:creationId xmlns:a16="http://schemas.microsoft.com/office/drawing/2014/main" id="{28E46C3C-7BF4-E540-B242-FA99DB0A2342}"/>
+                </a:ext>
+              </a:extLst>
+            </p:cNvPr>
+            <p:cNvPicPr>
+              <a:picLocks noChangeAspect="1"/>
+            </p:cNvPicPr>
+            <p:nvPr/>
+          </p:nvPicPr>
+          <p:blipFill rotWithShape="1">
+            <a:blip r:embed="rId3"/>
+            <a:srcRect l="4843" t="6749" b="6436"/>
+            <a:stretch/>
+          </p:blipFill>
+          <p:spPr>
+            <a:xfrm>
+              <a:off x="3308350" y="428626"/>
+              <a:ext cx="3330444" cy="6076950"/>
+            </a:xfrm>
+            <a:prstGeom prst="rect">
+              <a:avLst/>
+            </a:prstGeom>
+          </p:spPr>
+        </p:pic>
+        <p:sp>
+          <p:nvSpPr>
+            <p:cNvPr id="19" name="Rectangle 18">
+              <a:extLst>
+                <a:ext uri="{FF2B5EF4-FFF2-40B4-BE49-F238E27FC236}">
+                  <a16:creationId xmlns:a16="http://schemas.microsoft.com/office/drawing/2014/main" id="{2433A7FE-046D-DC44-95C9-2FE74CA2768A}"/>
+                </a:ext>
+              </a:extLst>
+            </p:cNvPr>
+            <p:cNvSpPr/>
+            <p:nvPr/>
+          </p:nvSpPr>
+          <p:spPr>
+            <a:xfrm>
+              <a:off x="3317875" y="505213"/>
+              <a:ext cx="45719" cy="6036504"/>
+            </a:xfrm>
+            <a:prstGeom prst="rect">
+              <a:avLst/>
+            </a:prstGeom>
+            <a:solidFill>
+              <a:schemeClr val="bg1"/>
+            </a:solidFill>
+            <a:ln>
+              <a:noFill/>
+            </a:ln>
+            <a:effectLst/>
+          </p:spPr>
+          <p:style>
+            <a:lnRef idx="2">
+              <a:schemeClr val="accent1">
+                <a:shade val="50000"/>
+              </a:schemeClr>
+            </a:lnRef>
+            <a:fillRef idx="1">
+              <a:schemeClr val="accent1"/>
+            </a:fillRef>
+            <a:effectRef idx="0">
+              <a:schemeClr val="accent1"/>
+            </a:effectRef>
+            <a:fontRef idx="minor">
+              <a:schemeClr val="lt1"/>
+            </a:fontRef>
+          </p:style>
+          <p:txBody>
+            <a:bodyPr rtlCol="0" anchor="ctr"/>
+            <a:lstStyle/>
+            <a:p>
+              <a:pPr algn="ctr"/>
+              <a:endParaRPr lang="en-CH"/>
+            </a:p>
+          </p:txBody>
+        </p:sp>
+        <p:sp>
+          <p:nvSpPr>
+            <p:cNvPr id="20" name="Rectangle 19">
+              <a:extLst>
+                <a:ext uri="{FF2B5EF4-FFF2-40B4-BE49-F238E27FC236}">
+                  <a16:creationId xmlns:a16="http://schemas.microsoft.com/office/drawing/2014/main" id="{5C7EECE7-3657-364E-AE7A-73E697B2969D}"/>
+                </a:ext>
+              </a:extLst>
+            </p:cNvPr>
+            <p:cNvSpPr/>
+            <p:nvPr/>
+          </p:nvSpPr>
+          <p:spPr>
+            <a:xfrm>
+              <a:off x="5624570" y="211592"/>
+              <a:ext cx="45719" cy="6036504"/>
+            </a:xfrm>
+            <a:prstGeom prst="rect">
+              <a:avLst/>
+            </a:prstGeom>
+            <a:solidFill>
+              <a:schemeClr val="bg1"/>
+            </a:solidFill>
+            <a:ln>
+              <a:noFill/>
+            </a:ln>
+            <a:effectLst/>
+          </p:spPr>
+          <p:style>
+            <a:lnRef idx="2">
+              <a:schemeClr val="accent1">
+                <a:shade val="50000"/>
+              </a:schemeClr>
+            </a:lnRef>
+            <a:fillRef idx="1">
+              <a:schemeClr val="accent1"/>
+            </a:fillRef>
+            <a:effectRef idx="0">
+              <a:schemeClr val="accent1"/>
+            </a:effectRef>
+            <a:fontRef idx="minor">
+              <a:schemeClr val="lt1"/>
+            </a:fontRef>
+          </p:style>
+          <p:txBody>
+            <a:bodyPr rtlCol="0" anchor="ctr"/>
+            <a:lstStyle/>
+            <a:p>
+              <a:pPr algn="ctr"/>
+              <a:endParaRPr lang="en-CH"/>
+            </a:p>
+          </p:txBody>
+        </p:sp>
+        <p:sp>
+          <p:nvSpPr>
+            <p:cNvPr id="21" name="Rectangle 20">
+              <a:extLst>
+                <a:ext uri="{FF2B5EF4-FFF2-40B4-BE49-F238E27FC236}">
+                  <a16:creationId xmlns:a16="http://schemas.microsoft.com/office/drawing/2014/main" id="{E10196CF-73F9-4E45-91AF-414E0985D1CE}"/>
+                </a:ext>
+              </a:extLst>
+            </p:cNvPr>
+            <p:cNvSpPr/>
+            <p:nvPr/>
+          </p:nvSpPr>
+          <p:spPr>
+            <a:xfrm>
+              <a:off x="5601710" y="6289674"/>
+              <a:ext cx="45719" cy="233971"/>
+            </a:xfrm>
+            <a:prstGeom prst="rect">
+              <a:avLst/>
+            </a:prstGeom>
+            <a:solidFill>
+              <a:schemeClr val="bg1"/>
+            </a:solidFill>
+            <a:ln>
+              <a:noFill/>
+            </a:ln>
+            <a:effectLst/>
+          </p:spPr>
+          <p:style>
+            <a:lnRef idx="2">
+              <a:schemeClr val="accent1">
+                <a:shade val="50000"/>
+              </a:schemeClr>
+            </a:lnRef>
+            <a:fillRef idx="1">
+              <a:schemeClr val="accent1"/>
+            </a:fillRef>
+            <a:effectRef idx="0">
+              <a:schemeClr val="accent1"/>
+            </a:effectRef>
+            <a:fontRef idx="minor">
+              <a:schemeClr val="lt1"/>
+            </a:fontRef>
+          </p:style>
+          <p:txBody>
+            <a:bodyPr rtlCol="0" anchor="ctr"/>
+            <a:lstStyle/>
+            <a:p>
+              <a:pPr algn="ctr"/>
+              <a:endParaRPr lang="en-CH"/>
+            </a:p>
+          </p:txBody>
+        </p:sp>
+      </p:grpSp>
+      <p:sp>
+        <p:nvSpPr>
+          <p:cNvPr id="23" name="Right Arrow 22">
+            <a:extLst>
+              <a:ext uri="{FF2B5EF4-FFF2-40B4-BE49-F238E27FC236}">
+                <a16:creationId xmlns:a16="http://schemas.microsoft.com/office/drawing/2014/main" id="{9DCBC821-4EB2-8C4D-8FB6-8E09DBF59B66}"/>
+              </a:ext>
+            </a:extLst>
+          </p:cNvPr>
+          <p:cNvSpPr/>
+          <p:nvPr/>
+        </p:nvSpPr>
+        <p:spPr>
+          <a:xfrm>
+            <a:off x="2831020" y="3607358"/>
+            <a:ext cx="381837" cy="743578"/>
+          </a:xfrm>
+          <a:prstGeom prst="rightArrow">
+            <a:avLst/>
+          </a:prstGeom>
+          <a:noFill/>
+          <a:ln w="22225">
+            <a:solidFill>
+              <a:schemeClr val="tx1"/>
+            </a:solidFill>
+          </a:ln>
+        </p:spPr>
+        <p:style>
+          <a:lnRef idx="2">
+            <a:schemeClr val="accent1">
+              <a:shade val="50000"/>
+            </a:schemeClr>
+          </a:lnRef>
+          <a:fillRef idx="1">
+            <a:schemeClr val="accent1"/>
+          </a:fillRef>
+          <a:effectRef idx="0">
+            <a:schemeClr val="accent1"/>
+          </a:effectRef>
+          <a:fontRef idx="minor">
+            <a:schemeClr val="lt1"/>
+          </a:fontRef>
+        </p:style>
+        <p:txBody>
+          <a:bodyPr rtlCol="0" anchor="ctr"/>
+          <a:lstStyle/>
+          <a:p>
+            <a:pPr algn="ctr"/>
+            <a:endParaRPr lang="en-CH"/>
+          </a:p>
+        </p:txBody>
+      </p:sp>
+      <p:sp>
+        <p:nvSpPr>
+          <p:cNvPr id="24" name="TextBox 23">
+            <a:extLst>
+              <a:ext uri="{FF2B5EF4-FFF2-40B4-BE49-F238E27FC236}">
+                <a16:creationId xmlns:a16="http://schemas.microsoft.com/office/drawing/2014/main" id="{83AFD0E1-EE4C-494D-A1E5-7F7597A03457}"/>
+              </a:ext>
+            </a:extLst>
+          </p:cNvPr>
+          <p:cNvSpPr txBox="1"/>
+          <p:nvPr/>
+        </p:nvSpPr>
+        <p:spPr>
+          <a:xfrm>
+            <a:off x="1541122" y="6569129"/>
+            <a:ext cx="958917" cy="276999"/>
+          </a:xfrm>
+          <a:prstGeom prst="rect">
+            <a:avLst/>
+          </a:prstGeom>
+          <a:noFill/>
+        </p:spPr>
+        <p:txBody>
+          <a:bodyPr wrap="none" rtlCol="0">
+            <a:spAutoFit/>
+          </a:bodyPr>
+          <a:lstStyle/>
+          <a:p>
+            <a:r>
+              <a:rPr lang="en-CH" sz="1200" dirty="0"/>
+              <a:t>IFN 2015/16</a:t>
+            </a:r>
+          </a:p>
+        </p:txBody>
+      </p:sp>
+      <p:sp>
+        <p:nvSpPr>
+          <p:cNvPr id="25" name="TextBox 24">
+            <a:extLst>
+              <a:ext uri="{FF2B5EF4-FFF2-40B4-BE49-F238E27FC236}">
+                <a16:creationId xmlns:a16="http://schemas.microsoft.com/office/drawing/2014/main" id="{5B696186-9D76-1045-8379-919E2BB5B6A1}"/>
+              </a:ext>
+            </a:extLst>
+          </p:cNvPr>
+          <p:cNvSpPr txBox="1"/>
+          <p:nvPr/>
+        </p:nvSpPr>
+        <p:spPr>
+          <a:xfrm>
+            <a:off x="3526752" y="6541717"/>
+            <a:ext cx="1497461" cy="276999"/>
+          </a:xfrm>
+          <a:prstGeom prst="rect">
+            <a:avLst/>
+          </a:prstGeom>
+          <a:noFill/>
+        </p:spPr>
+        <p:txBody>
+          <a:bodyPr wrap="none" rtlCol="0">
+            <a:spAutoFit/>
+          </a:bodyPr>
+          <a:lstStyle/>
+          <a:p>
+            <a:r>
+              <a:rPr lang="en-CH" sz="1200" dirty="0"/>
+              <a:t>Carte biomasse 2015</a:t>
+            </a:r>
+          </a:p>
+        </p:txBody>
+      </p:sp>
+      <p:pic>
+        <p:nvPicPr>
+          <p:cNvPr id="14" name="Picture 13">
+            <a:extLst>
+              <a:ext uri="{FF2B5EF4-FFF2-40B4-BE49-F238E27FC236}">
+                <a16:creationId xmlns:a16="http://schemas.microsoft.com/office/drawing/2014/main" id="{2024227D-6C61-C542-AEE7-1B3B822955F9}"/>
+              </a:ext>
+            </a:extLst>
+          </p:cNvPr>
+          <p:cNvPicPr>
+            <a:picLocks noChangeAspect="1"/>
+          </p:cNvPicPr>
+          <p:nvPr/>
+        </p:nvPicPr>
+        <p:blipFill rotWithShape="1">
+          <a:blip r:embed="rId4">
+            <a:clrChange>
+              <a:clrFrom>
+                <a:srgbClr val="FFFFFF"/>
+              </a:clrFrom>
+              <a:clrTo>
+                <a:srgbClr val="FFFFFF">
+                  <a:alpha val="0"/>
+                </a:srgbClr>
+              </a:clrTo>
+            </a:clrChange>
+          </a:blip>
+          <a:srcRect l="12342" t="5198" r="12411" b="5098"/>
+          <a:stretch/>
+        </p:blipFill>
+        <p:spPr>
+          <a:xfrm>
+            <a:off x="175365" y="200416"/>
+            <a:ext cx="2705622" cy="6450905"/>
+          </a:xfrm>
+          <a:prstGeom prst="rect">
+            <a:avLst/>
+          </a:prstGeom>
+        </p:spPr>
+      </p:pic>
+    </p:spTree>
+    <p:extLst>
+      <p:ext uri="{BB962C8B-B14F-4D97-AF65-F5344CB8AC3E}">
+        <p14:creationId xmlns:p14="http://schemas.microsoft.com/office/powerpoint/2010/main" val="933597850"/>
+      </p:ext>
+    </p:extLst>
+  </p:cSld>
+  <p:clrMapOvr>
+    <a:masterClrMapping/>
+  </p:clrMapOvr>
+</p:sld>
+</file>
+
 <file path=ppt/theme/theme1.xml><?xml version="1.0" encoding="utf-8"?>
 <a:theme xmlns:a="http://schemas.openxmlformats.org/drawingml/2006/main" name="Office Theme">
   <a:themeElements>

--- a/04_Manuel/images/images.pptx
+++ b/04_Manuel/images/images.pptx
@@ -12,6 +12,7 @@
     <p:sldId id="260" r:id="rId6"/>
     <p:sldId id="261" r:id="rId7"/>
     <p:sldId id="262" r:id="rId8"/>
+    <p:sldId id="263" r:id="rId9"/>
   </p:sldIdLst>
   <p:sldSz cx="12192000" cy="6858000"/>
   <p:notesSz cx="6858000" cy="9144000"/>
@@ -267,7 +268,7 @@
           <a:p>
             <a:fld id="{AB408B84-4BC5-6C4D-94A1-64D06C63D5E3}" type="datetimeFigureOut">
               <a:rPr lang="en-CH" smtClean="0"/>
-              <a:t>08.06.20</a:t>
+              <a:t>10.06.20</a:t>
             </a:fld>
             <a:endParaRPr lang="en-CH"/>
           </a:p>
@@ -467,7 +468,7 @@
           <a:p>
             <a:fld id="{AB408B84-4BC5-6C4D-94A1-64D06C63D5E3}" type="datetimeFigureOut">
               <a:rPr lang="en-CH" smtClean="0"/>
-              <a:t>08.06.20</a:t>
+              <a:t>10.06.20</a:t>
             </a:fld>
             <a:endParaRPr lang="en-CH"/>
           </a:p>
@@ -677,7 +678,7 @@
           <a:p>
             <a:fld id="{AB408B84-4BC5-6C4D-94A1-64D06C63D5E3}" type="datetimeFigureOut">
               <a:rPr lang="en-CH" smtClean="0"/>
-              <a:t>08.06.20</a:t>
+              <a:t>10.06.20</a:t>
             </a:fld>
             <a:endParaRPr lang="en-CH"/>
           </a:p>
@@ -877,7 +878,7 @@
           <a:p>
             <a:fld id="{AB408B84-4BC5-6C4D-94A1-64D06C63D5E3}" type="datetimeFigureOut">
               <a:rPr lang="en-CH" smtClean="0"/>
-              <a:t>08.06.20</a:t>
+              <a:t>10.06.20</a:t>
             </a:fld>
             <a:endParaRPr lang="en-CH"/>
           </a:p>
@@ -1153,7 +1154,7 @@
           <a:p>
             <a:fld id="{AB408B84-4BC5-6C4D-94A1-64D06C63D5E3}" type="datetimeFigureOut">
               <a:rPr lang="en-CH" smtClean="0"/>
-              <a:t>08.06.20</a:t>
+              <a:t>10.06.20</a:t>
             </a:fld>
             <a:endParaRPr lang="en-CH"/>
           </a:p>
@@ -1421,7 +1422,7 @@
           <a:p>
             <a:fld id="{AB408B84-4BC5-6C4D-94A1-64D06C63D5E3}" type="datetimeFigureOut">
               <a:rPr lang="en-CH" smtClean="0"/>
-              <a:t>08.06.20</a:t>
+              <a:t>10.06.20</a:t>
             </a:fld>
             <a:endParaRPr lang="en-CH"/>
           </a:p>
@@ -1836,7 +1837,7 @@
           <a:p>
             <a:fld id="{AB408B84-4BC5-6C4D-94A1-64D06C63D5E3}" type="datetimeFigureOut">
               <a:rPr lang="en-CH" smtClean="0"/>
-              <a:t>08.06.20</a:t>
+              <a:t>10.06.20</a:t>
             </a:fld>
             <a:endParaRPr lang="en-CH"/>
           </a:p>
@@ -1978,7 +1979,7 @@
           <a:p>
             <a:fld id="{AB408B84-4BC5-6C4D-94A1-64D06C63D5E3}" type="datetimeFigureOut">
               <a:rPr lang="en-CH" smtClean="0"/>
-              <a:t>08.06.20</a:t>
+              <a:t>10.06.20</a:t>
             </a:fld>
             <a:endParaRPr lang="en-CH"/>
           </a:p>
@@ -2091,7 +2092,7 @@
           <a:p>
             <a:fld id="{AB408B84-4BC5-6C4D-94A1-64D06C63D5E3}" type="datetimeFigureOut">
               <a:rPr lang="en-CH" smtClean="0"/>
-              <a:t>08.06.20</a:t>
+              <a:t>10.06.20</a:t>
             </a:fld>
             <a:endParaRPr lang="en-CH"/>
           </a:p>
@@ -2404,7 +2405,7 @@
           <a:p>
             <a:fld id="{AB408B84-4BC5-6C4D-94A1-64D06C63D5E3}" type="datetimeFigureOut">
               <a:rPr lang="en-CH" smtClean="0"/>
-              <a:t>08.06.20</a:t>
+              <a:t>10.06.20</a:t>
             </a:fld>
             <a:endParaRPr lang="en-CH"/>
           </a:p>
@@ -2693,7 +2694,7 @@
           <a:p>
             <a:fld id="{AB408B84-4BC5-6C4D-94A1-64D06C63D5E3}" type="datetimeFigureOut">
               <a:rPr lang="en-CH" smtClean="0"/>
-              <a:t>08.06.20</a:t>
+              <a:t>10.06.20</a:t>
             </a:fld>
             <a:endParaRPr lang="en-CH"/>
           </a:p>
@@ -2936,7 +2937,7 @@
           <a:p>
             <a:fld id="{AB408B84-4BC5-6C4D-94A1-64D06C63D5E3}" type="datetimeFigureOut">
               <a:rPr lang="en-CH" smtClean="0"/>
-              <a:t>08.06.20</a:t>
+              <a:t>10.06.20</a:t>
             </a:fld>
             <a:endParaRPr lang="en-CH"/>
           </a:p>
@@ -31305,6 +31306,234 @@
 </p:sld>
 </file>
 
+<file path=ppt/slides/slide8.xml><?xml version="1.0" encoding="utf-8"?>
+<p:sld xmlns:a="http://schemas.openxmlformats.org/drawingml/2006/main" xmlns:r="http://schemas.openxmlformats.org/officeDocument/2006/relationships" xmlns:p="http://schemas.openxmlformats.org/presentationml/2006/main">
+  <p:cSld>
+    <p:spTree>
+      <p:nvGrpSpPr>
+        <p:cNvPr id="1" name=""/>
+        <p:cNvGrpSpPr/>
+        <p:nvPr/>
+      </p:nvGrpSpPr>
+      <p:grpSpPr>
+        <a:xfrm>
+          <a:off x="0" y="0"/>
+          <a:ext cx="0" cy="0"/>
+          <a:chOff x="0" y="0"/>
+          <a:chExt cx="0" cy="0"/>
+        </a:xfrm>
+      </p:grpSpPr>
+      <p:pic>
+        <p:nvPicPr>
+          <p:cNvPr id="9" name="Content Placeholder 8">
+            <a:extLst>
+              <a:ext uri="{FF2B5EF4-FFF2-40B4-BE49-F238E27FC236}">
+                <a16:creationId xmlns:a16="http://schemas.microsoft.com/office/drawing/2014/main" id="{53358F19-8C5A-1C4C-B07D-092DC36C9D7A}"/>
+              </a:ext>
+            </a:extLst>
+          </p:cNvPr>
+          <p:cNvPicPr>
+            <a:picLocks noGrp="1" noChangeAspect="1"/>
+          </p:cNvPicPr>
+          <p:nvPr>
+            <p:ph idx="1"/>
+          </p:nvPr>
+        </p:nvPicPr>
+        <p:blipFill>
+          <a:blip r:embed="rId2"/>
+          <a:stretch>
+            <a:fillRect/>
+          </a:stretch>
+        </p:blipFill>
+        <p:spPr>
+          <a:xfrm>
+            <a:off x="2421653" y="326947"/>
+            <a:ext cx="6300316" cy="6300316"/>
+          </a:xfrm>
+        </p:spPr>
+      </p:pic>
+      <p:sp>
+        <p:nvSpPr>
+          <p:cNvPr id="10" name="TextBox 9">
+            <a:extLst>
+              <a:ext uri="{FF2B5EF4-FFF2-40B4-BE49-F238E27FC236}">
+                <a16:creationId xmlns:a16="http://schemas.microsoft.com/office/drawing/2014/main" id="{03586466-DAD9-AB4B-AEA0-121813E8082E}"/>
+              </a:ext>
+            </a:extLst>
+          </p:cNvPr>
+          <p:cNvSpPr txBox="1"/>
+          <p:nvPr/>
+        </p:nvSpPr>
+        <p:spPr>
+          <a:xfrm rot="16200000">
+            <a:off x="1781873" y="3275111"/>
+            <a:ext cx="1487651" cy="307777"/>
+          </a:xfrm>
+          <a:prstGeom prst="rect">
+            <a:avLst/>
+          </a:prstGeom>
+          <a:solidFill>
+            <a:schemeClr val="bg1"/>
+          </a:solidFill>
+        </p:spPr>
+        <p:txBody>
+          <a:bodyPr wrap="none" rtlCol="0">
+            <a:spAutoFit/>
+          </a:bodyPr>
+          <a:lstStyle/>
+          <a:p>
+            <a:r>
+              <a:rPr lang="en-CH" sz="1400" dirty="0"/>
+              <a:t>Densité des pixels</a:t>
+            </a:r>
+          </a:p>
+        </p:txBody>
+      </p:sp>
+      <p:sp>
+        <p:nvSpPr>
+          <p:cNvPr id="11" name="TextBox 10">
+            <a:extLst>
+              <a:ext uri="{FF2B5EF4-FFF2-40B4-BE49-F238E27FC236}">
+                <a16:creationId xmlns:a16="http://schemas.microsoft.com/office/drawing/2014/main" id="{1D54EDBA-84FC-6941-8F80-6E277B1F875D}"/>
+              </a:ext>
+            </a:extLst>
+          </p:cNvPr>
+          <p:cNvSpPr txBox="1"/>
+          <p:nvPr/>
+        </p:nvSpPr>
+        <p:spPr>
+          <a:xfrm>
+            <a:off x="4427153" y="6435796"/>
+            <a:ext cx="2028119" cy="307777"/>
+          </a:xfrm>
+          <a:prstGeom prst="rect">
+            <a:avLst/>
+          </a:prstGeom>
+          <a:solidFill>
+            <a:schemeClr val="bg1"/>
+          </a:solidFill>
+        </p:spPr>
+        <p:txBody>
+          <a:bodyPr wrap="none" rtlCol="0">
+            <a:spAutoFit/>
+          </a:bodyPr>
+          <a:lstStyle/>
+          <a:p>
+            <a:r>
+              <a:rPr lang="en-CH" sz="1400" dirty="0"/>
+              <a:t>Biomasse aérienne (t/ha)</a:t>
+            </a:r>
+          </a:p>
+        </p:txBody>
+      </p:sp>
+      <p:sp>
+        <p:nvSpPr>
+          <p:cNvPr id="12" name="TextBox 11">
+            <a:extLst>
+              <a:ext uri="{FF2B5EF4-FFF2-40B4-BE49-F238E27FC236}">
+                <a16:creationId xmlns:a16="http://schemas.microsoft.com/office/drawing/2014/main" id="{14519CCE-0E55-1C48-87CA-D565BFC8E2C2}"/>
+              </a:ext>
+            </a:extLst>
+          </p:cNvPr>
+          <p:cNvSpPr txBox="1"/>
+          <p:nvPr/>
+        </p:nvSpPr>
+        <p:spPr>
+          <a:xfrm>
+            <a:off x="8221661" y="3154863"/>
+            <a:ext cx="550151" cy="523220"/>
+          </a:xfrm>
+          <a:prstGeom prst="rect">
+            <a:avLst/>
+          </a:prstGeom>
+          <a:solidFill>
+            <a:schemeClr val="bg1"/>
+          </a:solidFill>
+        </p:spPr>
+        <p:txBody>
+          <a:bodyPr wrap="none" rtlCol="0">
+            <a:spAutoFit/>
+          </a:bodyPr>
+          <a:lstStyle/>
+          <a:p>
+            <a:r>
+              <a:rPr lang="en-CH" sz="1400" dirty="0"/>
+              <a:t>2003</a:t>
+            </a:r>
+          </a:p>
+          <a:p>
+            <a:r>
+              <a:rPr lang="en-CH" sz="1400" dirty="0"/>
+              <a:t>2018</a:t>
+            </a:r>
+          </a:p>
+        </p:txBody>
+      </p:sp>
+      <p:sp>
+        <p:nvSpPr>
+          <p:cNvPr id="13" name="Rectangle 12">
+            <a:extLst>
+              <a:ext uri="{FF2B5EF4-FFF2-40B4-BE49-F238E27FC236}">
+                <a16:creationId xmlns:a16="http://schemas.microsoft.com/office/drawing/2014/main" id="{FAF02694-CFA8-8B4A-A49E-1FCC8A5AE77E}"/>
+              </a:ext>
+            </a:extLst>
+          </p:cNvPr>
+          <p:cNvSpPr/>
+          <p:nvPr/>
+        </p:nvSpPr>
+        <p:spPr>
+          <a:xfrm>
+            <a:off x="7891397" y="2893512"/>
+            <a:ext cx="688932" cy="250521"/>
+          </a:xfrm>
+          <a:prstGeom prst="rect">
+            <a:avLst/>
+          </a:prstGeom>
+          <a:solidFill>
+            <a:schemeClr val="bg1"/>
+          </a:solidFill>
+          <a:ln>
+            <a:noFill/>
+          </a:ln>
+        </p:spPr>
+        <p:style>
+          <a:lnRef idx="2">
+            <a:schemeClr val="accent1">
+              <a:shade val="50000"/>
+            </a:schemeClr>
+          </a:lnRef>
+          <a:fillRef idx="1">
+            <a:schemeClr val="accent1"/>
+          </a:fillRef>
+          <a:effectRef idx="0">
+            <a:schemeClr val="accent1"/>
+          </a:effectRef>
+          <a:fontRef idx="minor">
+            <a:schemeClr val="lt1"/>
+          </a:fontRef>
+        </p:style>
+        <p:txBody>
+          <a:bodyPr rtlCol="0" anchor="ctr"/>
+          <a:lstStyle/>
+          <a:p>
+            <a:pPr algn="ctr"/>
+            <a:endParaRPr lang="en-CH"/>
+          </a:p>
+        </p:txBody>
+      </p:sp>
+    </p:spTree>
+    <p:extLst>
+      <p:ext uri="{BB962C8B-B14F-4D97-AF65-F5344CB8AC3E}">
+        <p14:creationId xmlns:p14="http://schemas.microsoft.com/office/powerpoint/2010/main" val="1481593751"/>
+      </p:ext>
+    </p:extLst>
+  </p:cSld>
+  <p:clrMapOvr>
+    <a:masterClrMapping/>
+  </p:clrMapOvr>
+</p:sld>
+</file>
+
 <file path=ppt/theme/theme1.xml><?xml version="1.0" encoding="utf-8"?>
 <a:theme xmlns:a="http://schemas.openxmlformats.org/drawingml/2006/main" name="Office Theme">
   <a:themeElements>
